--- a/Project Course Drives Systems and Power Electronics.pptx
+++ b/Project Course Drives Systems and Power Electronics.pptx
@@ -5,15 +5,17 @@
     <p:sldMasterId id="2147483648" r:id="rId1"/>
   </p:sldMasterIdLst>
   <p:notesMasterIdLst>
-    <p:notesMasterId r:id="rId8"/>
+    <p:notesMasterId r:id="rId10"/>
   </p:notesMasterIdLst>
   <p:sldIdLst>
     <p:sldId id="256" r:id="rId2"/>
     <p:sldId id="257" r:id="rId3"/>
-    <p:sldId id="259" r:id="rId4"/>
-    <p:sldId id="258" r:id="rId5"/>
+    <p:sldId id="258" r:id="rId4"/>
+    <p:sldId id="259" r:id="rId5"/>
     <p:sldId id="260" r:id="rId6"/>
     <p:sldId id="261" r:id="rId7"/>
+    <p:sldId id="263" r:id="rId8"/>
+    <p:sldId id="262" r:id="rId9"/>
   </p:sldIdLst>
   <p:sldSz cx="12192000" cy="6858000"/>
   <p:notesSz cx="6858000" cy="9144000"/>
@@ -3797,7 +3799,7 @@
           <a:p>
             <a:r>
               <a:rPr lang="en-IN" b="1" dirty="0"/>
-              <a:t>Study on Dual Active Bridge Converter</a:t>
+              <a:t>Design Control and Test of Dual Active Bridges (DAB)</a:t>
             </a:r>
           </a:p>
         </p:txBody>
@@ -5111,7 +5113,7 @@
         </p:nvSpPr>
         <p:spPr>
           <a:xfrm>
-            <a:off x="1049572" y="1606164"/>
+            <a:off x="2631882" y="1184744"/>
             <a:ext cx="7633252" cy="584775"/>
           </a:xfrm>
           <a:prstGeom prst="rect">
@@ -5127,17 +5129,17 @@
           <a:p>
             <a:r>
               <a:rPr lang="en-IN" sz="3200" b="1" dirty="0"/>
-              <a:t>Advantages</a:t>
-            </a:r>
-          </a:p>
-        </p:txBody>
-      </p:sp>
-      <p:sp>
-        <p:nvSpPr>
-          <p:cNvPr id="9" name="TextBox 8">
-            <a:extLst>
-              <a:ext uri="{FF2B5EF4-FFF2-40B4-BE49-F238E27FC236}">
-                <a16:creationId xmlns:a16="http://schemas.microsoft.com/office/drawing/2014/main" id="{6DB7A55E-4C02-46C7-895A-372E3E0061F5}"/>
+              <a:t>Standard modulation techniques</a:t>
+            </a:r>
+          </a:p>
+        </p:txBody>
+      </p:sp>
+      <p:sp>
+        <p:nvSpPr>
+          <p:cNvPr id="10" name="TextBox 9">
+            <a:extLst>
+              <a:ext uri="{FF2B5EF4-FFF2-40B4-BE49-F238E27FC236}">
+                <a16:creationId xmlns:a16="http://schemas.microsoft.com/office/drawing/2014/main" id="{2C61E890-3528-4CC8-80F1-434BC735EBE8}"/>
               </a:ext>
             </a:extLst>
           </p:cNvPr>
@@ -5146,8 +5148,8 @@
         </p:nvSpPr>
         <p:spPr>
           <a:xfrm>
-            <a:off x="1049572" y="2413337"/>
-            <a:ext cx="8301162" cy="3139321"/>
+            <a:off x="3713259" y="2043270"/>
+            <a:ext cx="8737366" cy="1754326"/>
           </a:xfrm>
           <a:prstGeom prst="rect">
             <a:avLst/>
@@ -5165,8 +5167,8 @@
               <a:buChar char="•"/>
             </a:pPr>
             <a:r>
-              <a:rPr lang="en-IN" dirty="0"/>
-              <a:t>Isolated bidirectional converter (IBDC) – galvanic isolation between input and output and bidirectional power flow</a:t>
+              <a:rPr lang="en-IN" b="1" dirty="0"/>
+              <a:t>The power flow is controlled by the current flowing through the inductor, or the primary and secondary voltages.</a:t>
             </a:r>
           </a:p>
           <a:p>
@@ -5174,7 +5176,7 @@
               <a:buFont typeface="Arial" panose="020B0604020202020204" pitchFamily="34" charset="0"/>
               <a:buChar char="•"/>
             </a:pPr>
-            <a:endParaRPr lang="en-IN" dirty="0"/>
+            <a:endParaRPr lang="en-IN" b="1" dirty="0"/>
           </a:p>
           <a:p>
             <a:pPr marL="285750" indent="-285750">
@@ -5182,72 +5184,156 @@
               <a:buChar char="•"/>
             </a:pPr>
             <a:r>
+              <a:rPr lang="en-IN" b="1" dirty="0"/>
+              <a:t>Voltages are controlled by the corresponding duty cycle and </a:t>
+            </a:r>
+            <a:r>
+              <a:rPr lang="en-IN" b="1" dirty="0">
+                <a:highlight>
+                  <a:srgbClr val="00FF00"/>
+                </a:highlight>
+              </a:rPr>
+              <a:t>phase angle</a:t>
+            </a:r>
+          </a:p>
+          <a:p>
+            <a:endParaRPr lang="en-IN" b="1" dirty="0"/>
+          </a:p>
+          <a:p>
+            <a:r>
               <a:rPr lang="en-IN" dirty="0"/>
-              <a:t>High Power capabilities compared to other IBDCs because of the 8 active switches.</a:t>
-            </a:r>
-          </a:p>
-          <a:p>
-            <a:pPr marL="285750" indent="-285750">
-              <a:buFont typeface="Arial" panose="020B0604020202020204" pitchFamily="34" charset="0"/>
-              <a:buChar char="•"/>
+              <a:t> </a:t>
+            </a:r>
+          </a:p>
+        </p:txBody>
+      </p:sp>
+      <p:pic>
+        <p:nvPicPr>
+          <p:cNvPr id="13" name="Picture 12">
+            <a:extLst>
+              <a:ext uri="{FF2B5EF4-FFF2-40B4-BE49-F238E27FC236}">
+                <a16:creationId xmlns:a16="http://schemas.microsoft.com/office/drawing/2014/main" id="{1C39C3DB-2288-4CDE-8588-7B8FA89ED7CD}"/>
+              </a:ext>
+            </a:extLst>
+          </p:cNvPr>
+          <p:cNvPicPr>
+            <a:picLocks noChangeAspect="1"/>
+          </p:cNvPicPr>
+          <p:nvPr/>
+        </p:nvPicPr>
+        <p:blipFill>
+          <a:blip r:embed="rId3">
+            <a:extLst>
+              <a:ext uri="{28A0092B-C50C-407E-A947-70E740481C1C}">
+                <a14:useLocalDpi xmlns:a14="http://schemas.microsoft.com/office/drawing/2010/main" val="0"/>
+              </a:ext>
+            </a:extLst>
+          </a:blip>
+          <a:stretch>
+            <a:fillRect/>
+          </a:stretch>
+        </p:blipFill>
+        <p:spPr>
+          <a:xfrm>
+            <a:off x="580446" y="2015085"/>
+            <a:ext cx="2913946" cy="1299791"/>
+          </a:xfrm>
+          <a:prstGeom prst="rect">
+            <a:avLst/>
+          </a:prstGeom>
+        </p:spPr>
+      </p:pic>
+      <p:sp>
+        <p:nvSpPr>
+          <p:cNvPr id="14" name="TextBox 13">
+            <a:extLst>
+              <a:ext uri="{FF2B5EF4-FFF2-40B4-BE49-F238E27FC236}">
+                <a16:creationId xmlns:a16="http://schemas.microsoft.com/office/drawing/2014/main" id="{D75907CC-E06E-43C1-9FBC-CF2DDA7695DA}"/>
+              </a:ext>
+            </a:extLst>
+          </p:cNvPr>
+          <p:cNvSpPr txBox="1"/>
+          <p:nvPr/>
+        </p:nvSpPr>
+        <p:spPr>
+          <a:xfrm>
+            <a:off x="659958" y="4139156"/>
+            <a:ext cx="10074302" cy="2031325"/>
+          </a:xfrm>
+          <a:prstGeom prst="rect">
+            <a:avLst/>
+          </a:prstGeom>
+          <a:noFill/>
+        </p:spPr>
+        <p:txBody>
+          <a:bodyPr wrap="square" rtlCol="0">
+            <a:spAutoFit/>
+          </a:bodyPr>
+          <a:lstStyle/>
+          <a:p>
+            <a:pPr marL="342900" indent="-342900">
+              <a:buFont typeface="+mj-lt"/>
+              <a:buAutoNum type="arabicPeriod"/>
             </a:pPr>
-            <a:endParaRPr lang="en-IN" dirty="0"/>
-          </a:p>
-          <a:p>
-            <a:pPr marL="285750" indent="-285750">
-              <a:buFont typeface="Arial" panose="020B0604020202020204" pitchFamily="34" charset="0"/>
-              <a:buChar char="•"/>
+            <a:r>
+              <a:rPr lang="en-IN" b="1" dirty="0"/>
+              <a:t>Single Phase Shift Modulation (SPS):  </a:t>
+            </a:r>
+            <a:r>
+              <a:rPr lang="en-IN" dirty="0"/>
+              <a:t>The duty cycle of primary and secondary bridge is kept constant at 50%. Power flow is controlled by the phase difference between the two voltages.</a:t>
+            </a:r>
+          </a:p>
+          <a:p>
+            <a:pPr marL="342900" indent="-342900">
+              <a:buFont typeface="+mj-lt"/>
+              <a:buAutoNum type="arabicPeriod"/>
             </a:pPr>
             <a:r>
+              <a:rPr lang="en-IN" b="1" dirty="0"/>
+              <a:t>Dual Phase Shift Modulation (DPS): </a:t>
+            </a:r>
+            <a:r>
               <a:rPr lang="en-IN" dirty="0"/>
-              <a:t>Possibilities of soft switching.</a:t>
-            </a:r>
-          </a:p>
-          <a:p>
-            <a:pPr marL="285750" indent="-285750">
-              <a:buFont typeface="Arial" panose="020B0604020202020204" pitchFamily="34" charset="0"/>
-              <a:buChar char="•"/>
+              <a:t>Apart from the phase shift between the input and output H bridges, there is an inner phase shift between the legs of individual H bridges.</a:t>
+            </a:r>
+          </a:p>
+          <a:p>
+            <a:pPr marL="342900" indent="-342900">
+              <a:buFont typeface="+mj-lt"/>
+              <a:buAutoNum type="arabicPeriod"/>
             </a:pPr>
-            <a:endParaRPr lang="en-IN" dirty="0"/>
-          </a:p>
-          <a:p>
-            <a:pPr marL="285750" indent="-285750">
-              <a:buFont typeface="Arial" panose="020B0604020202020204" pitchFamily="34" charset="0"/>
-              <a:buChar char="•"/>
+            <a:r>
+              <a:rPr lang="en-IN" b="1" dirty="0"/>
+              <a:t>Extended Phase Shift Modulation (EPS): </a:t>
+            </a:r>
+            <a:r>
+              <a:rPr lang="en-IN" dirty="0"/>
+              <a:t>The inner phase shift is applied to either the input H bridge or the output H bridge.</a:t>
+            </a:r>
+          </a:p>
+          <a:p>
+            <a:pPr marL="342900" indent="-342900">
+              <a:buFont typeface="+mj-lt"/>
+              <a:buAutoNum type="arabicPeriod"/>
             </a:pPr>
             <a:r>
+              <a:rPr lang="en-IN" b="1" dirty="0"/>
+              <a:t>Triple Phase shift Modulation (TPS): </a:t>
+            </a:r>
+            <a:r>
               <a:rPr lang="en-IN" dirty="0"/>
-              <a:t>High efficiency and Power density</a:t>
-            </a:r>
-          </a:p>
-          <a:p>
-            <a:pPr marL="285750" indent="-285750">
-              <a:buFont typeface="Arial" panose="020B0604020202020204" pitchFamily="34" charset="0"/>
-              <a:buChar char="•"/>
-            </a:pPr>
-            <a:endParaRPr lang="en-IN" dirty="0"/>
-          </a:p>
-          <a:p>
-            <a:pPr marL="285750" indent="-285750">
-              <a:buFont typeface="Arial" panose="020B0604020202020204" pitchFamily="34" charset="0"/>
-              <a:buChar char="•"/>
-            </a:pPr>
-            <a:r>
-              <a:rPr lang="en-IN" dirty="0"/>
-              <a:t>Smaller size of passive components</a:t>
-            </a:r>
-          </a:p>
-          <a:p>
-            <a:endParaRPr lang="en-IN" dirty="0"/>
-          </a:p>
-        </p:txBody>
-      </p:sp>
-      <p:sp>
-        <p:nvSpPr>
-          <p:cNvPr id="2" name="Date Placeholder 1">
-            <a:extLst>
-              <a:ext uri="{FF2B5EF4-FFF2-40B4-BE49-F238E27FC236}">
-                <a16:creationId xmlns:a16="http://schemas.microsoft.com/office/drawing/2014/main" id="{03BBDB54-F920-486E-AB3D-C7DFAA547BF8}"/>
+              <a:t>The inner phase shift is different for the individual bridges.</a:t>
+            </a:r>
+          </a:p>
+        </p:txBody>
+      </p:sp>
+      <p:sp>
+        <p:nvSpPr>
+          <p:cNvPr id="16" name="Date Placeholder 15">
+            <a:extLst>
+              <a:ext uri="{FF2B5EF4-FFF2-40B4-BE49-F238E27FC236}">
+                <a16:creationId xmlns:a16="http://schemas.microsoft.com/office/drawing/2014/main" id="{5600A11E-3D6D-4A32-9EAC-615123542785}"/>
               </a:ext>
             </a:extLst>
           </p:cNvPr>
@@ -5263,7 +5349,7 @@
           <a:bodyPr/>
           <a:lstStyle/>
           <a:p>
-            <a:fld id="{6D2D02B5-2EF3-49A0-8FE0-851BF98193B8}" type="datetime1">
+            <a:fld id="{D1398E58-6A60-4D0E-94FB-74DA4343198B}" type="datetime1">
               <a:rPr lang="en-IN" smtClean="0"/>
               <a:t>21-04-2022</a:t>
             </a:fld>
@@ -5273,10 +5359,10 @@
       </p:sp>
       <p:sp>
         <p:nvSpPr>
-          <p:cNvPr id="3" name="Slide Number Placeholder 2">
-            <a:extLst>
-              <a:ext uri="{FF2B5EF4-FFF2-40B4-BE49-F238E27FC236}">
-                <a16:creationId xmlns:a16="http://schemas.microsoft.com/office/drawing/2014/main" id="{F72F8D47-8BE4-4E41-B0C3-E0E3868416E8}"/>
+          <p:cNvPr id="17" name="Slide Number Placeholder 16">
+            <a:extLst>
+              <a:ext uri="{FF2B5EF4-FFF2-40B4-BE49-F238E27FC236}">
+                <a16:creationId xmlns:a16="http://schemas.microsoft.com/office/drawing/2014/main" id="{9D88C7D5-53F7-4126-9F0F-371B3262C5D9}"/>
               </a:ext>
             </a:extLst>
           </p:cNvPr>
@@ -5300,10 +5386,49 @@
           </a:p>
         </p:txBody>
       </p:sp>
+      <p:sp>
+        <p:nvSpPr>
+          <p:cNvPr id="18" name="TextBox 17">
+            <a:extLst>
+              <a:ext uri="{FF2B5EF4-FFF2-40B4-BE49-F238E27FC236}">
+                <a16:creationId xmlns:a16="http://schemas.microsoft.com/office/drawing/2014/main" id="{F558A93B-0417-45CF-8E4A-2D398FA9DE6F}"/>
+              </a:ext>
+            </a:extLst>
+          </p:cNvPr>
+          <p:cNvSpPr txBox="1"/>
+          <p:nvPr/>
+        </p:nvSpPr>
+        <p:spPr>
+          <a:xfrm>
+            <a:off x="1057067" y="3259723"/>
+            <a:ext cx="2599267" cy="338554"/>
+          </a:xfrm>
+          <a:prstGeom prst="rect">
+            <a:avLst/>
+          </a:prstGeom>
+          <a:noFill/>
+        </p:spPr>
+        <p:txBody>
+          <a:bodyPr wrap="square" rtlCol="0">
+            <a:spAutoFit/>
+          </a:bodyPr>
+          <a:lstStyle/>
+          <a:p>
+            <a:r>
+              <a:rPr lang="en-IN" sz="1600" dirty="0" err="1"/>
+              <a:t>Eqv</a:t>
+            </a:r>
+            <a:r>
+              <a:rPr lang="en-IN" sz="1600" dirty="0"/>
+              <a:t> circuit</a:t>
+            </a:r>
+          </a:p>
+        </p:txBody>
+      </p:sp>
     </p:spTree>
     <p:extLst>
       <p:ext uri="{BB962C8B-B14F-4D97-AF65-F5344CB8AC3E}">
-        <p14:creationId xmlns:p14="http://schemas.microsoft.com/office/powerpoint/2010/main" val="2456688451"/>
+        <p14:creationId xmlns:p14="http://schemas.microsoft.com/office/powerpoint/2010/main" val="3791900179"/>
       </p:ext>
     </p:extLst>
   </p:cSld>
@@ -5530,7 +5655,7 @@
         </p:nvSpPr>
         <p:spPr>
           <a:xfrm>
-            <a:off x="2631882" y="1184744"/>
+            <a:off x="1049572" y="1606164"/>
             <a:ext cx="7633252" cy="584775"/>
           </a:xfrm>
           <a:prstGeom prst="rect">
@@ -5546,17 +5671,17 @@
           <a:p>
             <a:r>
               <a:rPr lang="en-IN" sz="3200" b="1" dirty="0"/>
-              <a:t>Standard modulation techniques</a:t>
-            </a:r>
-          </a:p>
-        </p:txBody>
-      </p:sp>
-      <p:sp>
-        <p:nvSpPr>
-          <p:cNvPr id="10" name="TextBox 9">
-            <a:extLst>
-              <a:ext uri="{FF2B5EF4-FFF2-40B4-BE49-F238E27FC236}">
-                <a16:creationId xmlns:a16="http://schemas.microsoft.com/office/drawing/2014/main" id="{2C61E890-3528-4CC8-80F1-434BC735EBE8}"/>
+              <a:t>Advantages</a:t>
+            </a:r>
+          </a:p>
+        </p:txBody>
+      </p:sp>
+      <p:sp>
+        <p:nvSpPr>
+          <p:cNvPr id="9" name="TextBox 8">
+            <a:extLst>
+              <a:ext uri="{FF2B5EF4-FFF2-40B4-BE49-F238E27FC236}">
+                <a16:creationId xmlns:a16="http://schemas.microsoft.com/office/drawing/2014/main" id="{6DB7A55E-4C02-46C7-895A-372E3E0061F5}"/>
               </a:ext>
             </a:extLst>
           </p:cNvPr>
@@ -5565,8 +5690,8 @@
         </p:nvSpPr>
         <p:spPr>
           <a:xfrm>
-            <a:off x="3713259" y="2043270"/>
-            <a:ext cx="8737366" cy="1754326"/>
+            <a:off x="1049572" y="2413337"/>
+            <a:ext cx="8301162" cy="3139321"/>
           </a:xfrm>
           <a:prstGeom prst="rect">
             <a:avLst/>
@@ -5584,8 +5709,8 @@
               <a:buChar char="•"/>
             </a:pPr>
             <a:r>
-              <a:rPr lang="en-IN" b="1" dirty="0"/>
-              <a:t>The power flow is controlled by the current flowing through the inductor, or the primary and secondary voltages.</a:t>
+              <a:rPr lang="en-IN" dirty="0"/>
+              <a:t>Isolated bidirectional converter (IBDC) – galvanic isolation between input and output and bidirectional power flow</a:t>
             </a:r>
           </a:p>
           <a:p>
@@ -5593,7 +5718,7 @@
               <a:buFont typeface="Arial" panose="020B0604020202020204" pitchFamily="34" charset="0"/>
               <a:buChar char="•"/>
             </a:pPr>
-            <a:endParaRPr lang="en-IN" b="1" dirty="0"/>
+            <a:endParaRPr lang="en-IN" dirty="0"/>
           </a:p>
           <a:p>
             <a:pPr marL="285750" indent="-285750">
@@ -5601,156 +5726,72 @@
               <a:buChar char="•"/>
             </a:pPr>
             <a:r>
-              <a:rPr lang="en-IN" b="1" dirty="0"/>
-              <a:t>Voltages are controlled by the corresponding duty cycle and </a:t>
-            </a:r>
-            <a:r>
-              <a:rPr lang="en-IN" b="1" dirty="0">
-                <a:highlight>
-                  <a:srgbClr val="00FF00"/>
-                </a:highlight>
-              </a:rPr>
-              <a:t>phase angle</a:t>
-            </a:r>
-          </a:p>
-          <a:p>
-            <a:endParaRPr lang="en-IN" b="1" dirty="0"/>
-          </a:p>
-          <a:p>
-            <a:r>
               <a:rPr lang="en-IN" dirty="0"/>
-              <a:t> </a:t>
-            </a:r>
-          </a:p>
-        </p:txBody>
-      </p:sp>
-      <p:pic>
-        <p:nvPicPr>
-          <p:cNvPr id="13" name="Picture 12">
-            <a:extLst>
-              <a:ext uri="{FF2B5EF4-FFF2-40B4-BE49-F238E27FC236}">
-                <a16:creationId xmlns:a16="http://schemas.microsoft.com/office/drawing/2014/main" id="{1C39C3DB-2288-4CDE-8588-7B8FA89ED7CD}"/>
-              </a:ext>
-            </a:extLst>
-          </p:cNvPr>
-          <p:cNvPicPr>
-            <a:picLocks noChangeAspect="1"/>
-          </p:cNvPicPr>
-          <p:nvPr/>
-        </p:nvPicPr>
-        <p:blipFill>
-          <a:blip r:embed="rId3">
-            <a:extLst>
-              <a:ext uri="{28A0092B-C50C-407E-A947-70E740481C1C}">
-                <a14:useLocalDpi xmlns:a14="http://schemas.microsoft.com/office/drawing/2010/main" val="0"/>
-              </a:ext>
-            </a:extLst>
-          </a:blip>
-          <a:stretch>
-            <a:fillRect/>
-          </a:stretch>
-        </p:blipFill>
-        <p:spPr>
-          <a:xfrm>
-            <a:off x="580446" y="2015085"/>
-            <a:ext cx="2913946" cy="1299791"/>
-          </a:xfrm>
-          <a:prstGeom prst="rect">
-            <a:avLst/>
-          </a:prstGeom>
-        </p:spPr>
-      </p:pic>
-      <p:sp>
-        <p:nvSpPr>
-          <p:cNvPr id="14" name="TextBox 13">
-            <a:extLst>
-              <a:ext uri="{FF2B5EF4-FFF2-40B4-BE49-F238E27FC236}">
-                <a16:creationId xmlns:a16="http://schemas.microsoft.com/office/drawing/2014/main" id="{D75907CC-E06E-43C1-9FBC-CF2DDA7695DA}"/>
-              </a:ext>
-            </a:extLst>
-          </p:cNvPr>
-          <p:cNvSpPr txBox="1"/>
-          <p:nvPr/>
-        </p:nvSpPr>
-        <p:spPr>
-          <a:xfrm>
-            <a:off x="659958" y="4139156"/>
-            <a:ext cx="10074302" cy="2031325"/>
-          </a:xfrm>
-          <a:prstGeom prst="rect">
-            <a:avLst/>
-          </a:prstGeom>
-          <a:noFill/>
-        </p:spPr>
-        <p:txBody>
-          <a:bodyPr wrap="square" rtlCol="0">
-            <a:spAutoFit/>
-          </a:bodyPr>
-          <a:lstStyle/>
-          <a:p>
-            <a:pPr marL="342900" indent="-342900">
-              <a:buFont typeface="+mj-lt"/>
-              <a:buAutoNum type="arabicPeriod"/>
+              <a:t>High Power capabilities compared to other IBDCs because of the 8 active switches.</a:t>
+            </a:r>
+          </a:p>
+          <a:p>
+            <a:pPr marL="285750" indent="-285750">
+              <a:buFont typeface="Arial" panose="020B0604020202020204" pitchFamily="34" charset="0"/>
+              <a:buChar char="•"/>
             </a:pPr>
-            <a:r>
-              <a:rPr lang="en-IN" b="1" dirty="0"/>
-              <a:t>Single Phase Shift Modulation (SPS):  </a:t>
-            </a:r>
+            <a:endParaRPr lang="en-IN" dirty="0"/>
+          </a:p>
+          <a:p>
+            <a:pPr marL="285750" indent="-285750">
+              <a:buFont typeface="Arial" panose="020B0604020202020204" pitchFamily="34" charset="0"/>
+              <a:buChar char="•"/>
+            </a:pPr>
             <a:r>
               <a:rPr lang="en-IN" dirty="0"/>
-              <a:t>The duty cycle of primary and secondary bridge is kept constant at 50%. Power flow is controlled by the phase difference between the two voltages.</a:t>
-            </a:r>
-          </a:p>
-          <a:p>
-            <a:pPr marL="342900" indent="-342900">
-              <a:buFont typeface="+mj-lt"/>
-              <a:buAutoNum type="arabicPeriod"/>
+              <a:t>Possibilities of soft switching.</a:t>
+            </a:r>
+          </a:p>
+          <a:p>
+            <a:pPr marL="285750" indent="-285750">
+              <a:buFont typeface="Arial" panose="020B0604020202020204" pitchFamily="34" charset="0"/>
+              <a:buChar char="•"/>
             </a:pPr>
-            <a:r>
-              <a:rPr lang="en-IN" b="1" dirty="0"/>
-              <a:t>Dual Phase Shift Modulation (DPS): </a:t>
-            </a:r>
+            <a:endParaRPr lang="en-IN" dirty="0"/>
+          </a:p>
+          <a:p>
+            <a:pPr marL="285750" indent="-285750">
+              <a:buFont typeface="Arial" panose="020B0604020202020204" pitchFamily="34" charset="0"/>
+              <a:buChar char="•"/>
+            </a:pPr>
             <a:r>
               <a:rPr lang="en-IN" dirty="0"/>
-              <a:t>Apart from the phase shift between the input and output H bridges, there is an inner phase shift between the legs of individual H bridges.</a:t>
-            </a:r>
-          </a:p>
-          <a:p>
-            <a:pPr marL="342900" indent="-342900">
-              <a:buFont typeface="+mj-lt"/>
-              <a:buAutoNum type="arabicPeriod"/>
+              <a:t>High efficiency and Power density</a:t>
+            </a:r>
+          </a:p>
+          <a:p>
+            <a:pPr marL="285750" indent="-285750">
+              <a:buFont typeface="Arial" panose="020B0604020202020204" pitchFamily="34" charset="0"/>
+              <a:buChar char="•"/>
             </a:pPr>
-            <a:r>
-              <a:rPr lang="en-IN" b="1" dirty="0"/>
-              <a:t>Extended Phase Shift Modulation (EPS): </a:t>
-            </a:r>
+            <a:endParaRPr lang="en-IN" dirty="0"/>
+          </a:p>
+          <a:p>
+            <a:pPr marL="285750" indent="-285750">
+              <a:buFont typeface="Arial" panose="020B0604020202020204" pitchFamily="34" charset="0"/>
+              <a:buChar char="•"/>
+            </a:pPr>
             <a:r>
               <a:rPr lang="en-IN" dirty="0"/>
-              <a:t>The inner phase shift is applied to either the input H bridge or the output H bridge.</a:t>
-            </a:r>
-          </a:p>
-          <a:p>
-            <a:pPr marL="342900" indent="-342900">
-              <a:buFont typeface="+mj-lt"/>
-              <a:buAutoNum type="arabicPeriod"/>
-            </a:pPr>
-            <a:r>
-              <a:rPr lang="en-IN" b="1" dirty="0"/>
-              <a:t>Triple Phase shift Modulation (TPS): </a:t>
-            </a:r>
-            <a:r>
-              <a:rPr lang="en-IN" dirty="0"/>
-              <a:t>The inner phase shift is different for the individual bridges.</a:t>
-            </a:r>
-          </a:p>
-        </p:txBody>
-      </p:sp>
-      <p:sp>
-        <p:nvSpPr>
-          <p:cNvPr id="16" name="Date Placeholder 15">
-            <a:extLst>
-              <a:ext uri="{FF2B5EF4-FFF2-40B4-BE49-F238E27FC236}">
-                <a16:creationId xmlns:a16="http://schemas.microsoft.com/office/drawing/2014/main" id="{5600A11E-3D6D-4A32-9EAC-615123542785}"/>
+              <a:t>Smaller size of passive components</a:t>
+            </a:r>
+          </a:p>
+          <a:p>
+            <a:endParaRPr lang="en-IN" dirty="0"/>
+          </a:p>
+        </p:txBody>
+      </p:sp>
+      <p:sp>
+        <p:nvSpPr>
+          <p:cNvPr id="2" name="Date Placeholder 1">
+            <a:extLst>
+              <a:ext uri="{FF2B5EF4-FFF2-40B4-BE49-F238E27FC236}">
+                <a16:creationId xmlns:a16="http://schemas.microsoft.com/office/drawing/2014/main" id="{03BBDB54-F920-486E-AB3D-C7DFAA547BF8}"/>
               </a:ext>
             </a:extLst>
           </p:cNvPr>
@@ -5766,7 +5807,7 @@
           <a:bodyPr/>
           <a:lstStyle/>
           <a:p>
-            <a:fld id="{D1398E58-6A60-4D0E-94FB-74DA4343198B}" type="datetime1">
+            <a:fld id="{6D2D02B5-2EF3-49A0-8FE0-851BF98193B8}" type="datetime1">
               <a:rPr lang="en-IN" smtClean="0"/>
               <a:t>21-04-2022</a:t>
             </a:fld>
@@ -5776,10 +5817,10 @@
       </p:sp>
       <p:sp>
         <p:nvSpPr>
-          <p:cNvPr id="17" name="Slide Number Placeholder 16">
-            <a:extLst>
-              <a:ext uri="{FF2B5EF4-FFF2-40B4-BE49-F238E27FC236}">
-                <a16:creationId xmlns:a16="http://schemas.microsoft.com/office/drawing/2014/main" id="{9D88C7D5-53F7-4126-9F0F-371B3262C5D9}"/>
+          <p:cNvPr id="3" name="Slide Number Placeholder 2">
+            <a:extLst>
+              <a:ext uri="{FF2B5EF4-FFF2-40B4-BE49-F238E27FC236}">
+                <a16:creationId xmlns:a16="http://schemas.microsoft.com/office/drawing/2014/main" id="{F72F8D47-8BE4-4E41-B0C3-E0E3868416E8}"/>
               </a:ext>
             </a:extLst>
           </p:cNvPr>
@@ -5806,7 +5847,7 @@
     </p:spTree>
     <p:extLst>
       <p:ext uri="{BB962C8B-B14F-4D97-AF65-F5344CB8AC3E}">
-        <p14:creationId xmlns:p14="http://schemas.microsoft.com/office/powerpoint/2010/main" val="3791900179"/>
+        <p14:creationId xmlns:p14="http://schemas.microsoft.com/office/powerpoint/2010/main" val="2456688451"/>
       </p:ext>
     </p:extLst>
   </p:cSld>
@@ -6589,10 +6630,944 @@
           </a:p>
         </p:txBody>
       </p:sp>
+      <p:sp>
+        <p:nvSpPr>
+          <p:cNvPr id="8" name="TextBox 7">
+            <a:extLst>
+              <a:ext uri="{FF2B5EF4-FFF2-40B4-BE49-F238E27FC236}">
+                <a16:creationId xmlns:a16="http://schemas.microsoft.com/office/drawing/2014/main" id="{BD001CC9-BBE7-4F04-BEEF-F78197B29447}"/>
+              </a:ext>
+            </a:extLst>
+          </p:cNvPr>
+          <p:cNvSpPr txBox="1"/>
+          <p:nvPr/>
+        </p:nvSpPr>
+        <p:spPr>
+          <a:xfrm>
+            <a:off x="874643" y="4250267"/>
+            <a:ext cx="10233624" cy="1200329"/>
+          </a:xfrm>
+          <a:prstGeom prst="rect">
+            <a:avLst/>
+          </a:prstGeom>
+          <a:noFill/>
+        </p:spPr>
+        <p:txBody>
+          <a:bodyPr wrap="square" rtlCol="0">
+            <a:spAutoFit/>
+          </a:bodyPr>
+          <a:lstStyle/>
+          <a:p>
+            <a:r>
+              <a:rPr lang="en-IN" b="1" dirty="0"/>
+              <a:t>Design objective: (suggestions ?)</a:t>
+            </a:r>
+          </a:p>
+          <a:p>
+            <a:pPr marL="342900" indent="-342900">
+              <a:buAutoNum type="arabicPeriod"/>
+            </a:pPr>
+            <a:r>
+              <a:rPr lang="en-IN" dirty="0"/>
+              <a:t>Efficiency optimization</a:t>
+            </a:r>
+          </a:p>
+          <a:p>
+            <a:pPr marL="342900" indent="-342900">
+              <a:buAutoNum type="arabicPeriod"/>
+            </a:pPr>
+            <a:r>
+              <a:rPr lang="en-IN" dirty="0"/>
+              <a:t>Power density optimization</a:t>
+            </a:r>
+          </a:p>
+          <a:p>
+            <a:endParaRPr lang="en-IN" dirty="0"/>
+          </a:p>
+        </p:txBody>
+      </p:sp>
     </p:spTree>
     <p:extLst>
       <p:ext uri="{BB962C8B-B14F-4D97-AF65-F5344CB8AC3E}">
         <p14:creationId xmlns:p14="http://schemas.microsoft.com/office/powerpoint/2010/main" val="4186412677"/>
+      </p:ext>
+    </p:extLst>
+  </p:cSld>
+  <p:clrMapOvr>
+    <a:masterClrMapping/>
+  </p:clrMapOvr>
+</p:sld>
+</file>
+
+<file path=ppt/slides/slide7.xml><?xml version="1.0" encoding="utf-8"?>
+<p:sld xmlns:a="http://schemas.openxmlformats.org/drawingml/2006/main" xmlns:r="http://schemas.openxmlformats.org/officeDocument/2006/relationships" xmlns:p="http://schemas.openxmlformats.org/presentationml/2006/main">
+  <p:cSld>
+    <p:spTree>
+      <p:nvGrpSpPr>
+        <p:cNvPr id="1" name=""/>
+        <p:cNvGrpSpPr/>
+        <p:nvPr/>
+      </p:nvGrpSpPr>
+      <p:grpSpPr>
+        <a:xfrm>
+          <a:off x="0" y="0"/>
+          <a:ext cx="0" cy="0"/>
+          <a:chOff x="0" y="0"/>
+          <a:chExt cx="0" cy="0"/>
+        </a:xfrm>
+      </p:grpSpPr>
+      <p:pic>
+        <p:nvPicPr>
+          <p:cNvPr id="4" name="Picture 3">
+            <a:extLst>
+              <a:ext uri="{FF2B5EF4-FFF2-40B4-BE49-F238E27FC236}">
+                <a16:creationId xmlns:a16="http://schemas.microsoft.com/office/drawing/2014/main" id="{9C100A4D-3434-4524-A27F-AA4F32F03E74}"/>
+              </a:ext>
+            </a:extLst>
+          </p:cNvPr>
+          <p:cNvPicPr>
+            <a:picLocks noChangeAspect="1"/>
+          </p:cNvPicPr>
+          <p:nvPr/>
+        </p:nvPicPr>
+        <p:blipFill>
+          <a:blip r:embed="rId2"/>
+          <a:stretch>
+            <a:fillRect/>
+          </a:stretch>
+        </p:blipFill>
+        <p:spPr>
+          <a:xfrm>
+            <a:off x="11173106" y="95415"/>
+            <a:ext cx="952633" cy="590632"/>
+          </a:xfrm>
+          <a:prstGeom prst="rect">
+            <a:avLst/>
+          </a:prstGeom>
+        </p:spPr>
+      </p:pic>
+      <p:sp>
+        <p:nvSpPr>
+          <p:cNvPr id="5" name="Textfeld 10">
+            <a:extLst>
+              <a:ext uri="{FF2B5EF4-FFF2-40B4-BE49-F238E27FC236}">
+                <a16:creationId xmlns:a16="http://schemas.microsoft.com/office/drawing/2014/main" id="{C9D3D360-8A9D-412B-8191-98D0FE288841}"/>
+              </a:ext>
+            </a:extLst>
+          </p:cNvPr>
+          <p:cNvSpPr txBox="1"/>
+          <p:nvPr/>
+        </p:nvSpPr>
+        <p:spPr>
+          <a:xfrm>
+            <a:off x="328420" y="314325"/>
+            <a:ext cx="7393245" cy="347211"/>
+          </a:xfrm>
+          <a:prstGeom prst="rect">
+            <a:avLst/>
+          </a:prstGeom>
+          <a:noFill/>
+        </p:spPr>
+        <p:txBody>
+          <a:bodyPr wrap="square" lIns="0" tIns="0" rIns="0" bIns="0" rtlCol="0">
+            <a:spAutoFit/>
+          </a:bodyPr>
+          <a:lstStyle/>
+          <a:p>
+            <a:pPr>
+              <a:lnSpc>
+                <a:spcPct val="94000"/>
+              </a:lnSpc>
+              <a:tabLst/>
+            </a:pPr>
+            <a:r>
+              <a:rPr lang="de-DE" sz="800" dirty="0">
+                <a:solidFill>
+                  <a:srgbClr val="0065BD"/>
+                </a:solidFill>
+              </a:rPr>
+              <a:t>Chair</a:t>
+            </a:r>
+            <a:r>
+              <a:rPr lang="de-DE" sz="800" dirty="0">
+                <a:solidFill>
+                  <a:srgbClr val="0065BD"/>
+                </a:solidFill>
+                <a:latin typeface="+mn-lt"/>
+              </a:rPr>
+              <a:t> of </a:t>
+            </a:r>
+            <a:r>
+              <a:rPr lang="de-DE" sz="800" dirty="0">
+                <a:solidFill>
+                  <a:srgbClr val="0065BD"/>
+                </a:solidFill>
+              </a:rPr>
+              <a:t>High Power Converter Systems</a:t>
+            </a:r>
+            <a:endParaRPr lang="de-DE" sz="800" dirty="0">
+              <a:solidFill>
+                <a:srgbClr val="0065BD"/>
+              </a:solidFill>
+              <a:latin typeface="+mn-lt"/>
+            </a:endParaRPr>
+          </a:p>
+          <a:p>
+            <a:pPr>
+              <a:lnSpc>
+                <a:spcPct val="94000"/>
+              </a:lnSpc>
+              <a:tabLst/>
+            </a:pPr>
+            <a:r>
+              <a:rPr lang="de-DE" sz="800" dirty="0">
+                <a:solidFill>
+                  <a:srgbClr val="0065BD"/>
+                </a:solidFill>
+                <a:latin typeface="+mn-lt"/>
+              </a:rPr>
+              <a:t>TUM School </a:t>
+            </a:r>
+            <a:r>
+              <a:rPr lang="de-DE" sz="800" dirty="0" err="1">
+                <a:solidFill>
+                  <a:srgbClr val="0065BD"/>
+                </a:solidFill>
+                <a:latin typeface="+mn-lt"/>
+              </a:rPr>
+              <a:t>of</a:t>
+            </a:r>
+            <a:r>
+              <a:rPr lang="de-DE" sz="800" dirty="0">
+                <a:solidFill>
+                  <a:srgbClr val="0065BD"/>
+                </a:solidFill>
+                <a:latin typeface="+mn-lt"/>
+              </a:rPr>
+              <a:t> Engineering </a:t>
+            </a:r>
+            <a:r>
+              <a:rPr lang="de-DE" sz="800" dirty="0" err="1">
+                <a:solidFill>
+                  <a:srgbClr val="0065BD"/>
+                </a:solidFill>
+                <a:latin typeface="+mn-lt"/>
+              </a:rPr>
+              <a:t>and</a:t>
+            </a:r>
+            <a:r>
+              <a:rPr lang="de-DE" sz="800" dirty="0">
+                <a:solidFill>
+                  <a:srgbClr val="0065BD"/>
+                </a:solidFill>
+                <a:latin typeface="+mn-lt"/>
+              </a:rPr>
+              <a:t> Design</a:t>
+            </a:r>
+          </a:p>
+          <a:p>
+            <a:pPr>
+              <a:lnSpc>
+                <a:spcPct val="94000"/>
+              </a:lnSpc>
+              <a:tabLst/>
+            </a:pPr>
+            <a:r>
+              <a:rPr lang="de-DE" sz="800" dirty="0">
+                <a:solidFill>
+                  <a:srgbClr val="0065BD"/>
+                </a:solidFill>
+                <a:latin typeface="+mn-lt"/>
+              </a:rPr>
+              <a:t>Technical University </a:t>
+            </a:r>
+            <a:r>
+              <a:rPr lang="de-DE" sz="800" dirty="0" err="1">
+                <a:solidFill>
+                  <a:srgbClr val="0065BD"/>
+                </a:solidFill>
+                <a:latin typeface="+mn-lt"/>
+              </a:rPr>
+              <a:t>of</a:t>
+            </a:r>
+            <a:r>
+              <a:rPr lang="de-DE" sz="800" dirty="0">
+                <a:solidFill>
+                  <a:srgbClr val="0065BD"/>
+                </a:solidFill>
+                <a:latin typeface="+mn-lt"/>
+              </a:rPr>
+              <a:t> Munich</a:t>
+            </a:r>
+          </a:p>
+        </p:txBody>
+      </p:sp>
+      <p:sp>
+        <p:nvSpPr>
+          <p:cNvPr id="6" name="TextBox 5">
+            <a:extLst>
+              <a:ext uri="{FF2B5EF4-FFF2-40B4-BE49-F238E27FC236}">
+                <a16:creationId xmlns:a16="http://schemas.microsoft.com/office/drawing/2014/main" id="{77EBB971-AF57-490D-9599-0C837FDE2F26}"/>
+              </a:ext>
+            </a:extLst>
+          </p:cNvPr>
+          <p:cNvSpPr txBox="1"/>
+          <p:nvPr/>
+        </p:nvSpPr>
+        <p:spPr>
+          <a:xfrm>
+            <a:off x="2631882" y="1184744"/>
+            <a:ext cx="7633252" cy="584775"/>
+          </a:xfrm>
+          <a:prstGeom prst="rect">
+            <a:avLst/>
+          </a:prstGeom>
+          <a:noFill/>
+        </p:spPr>
+        <p:txBody>
+          <a:bodyPr wrap="square" rtlCol="0">
+            <a:spAutoFit/>
+          </a:bodyPr>
+          <a:lstStyle/>
+          <a:p>
+            <a:r>
+              <a:rPr lang="en-IN" sz="3200" b="1" dirty="0"/>
+              <a:t>Preliminary timeline of the project</a:t>
+            </a:r>
+          </a:p>
+        </p:txBody>
+      </p:sp>
+      <p:sp>
+        <p:nvSpPr>
+          <p:cNvPr id="3" name="Date Placeholder 2">
+            <a:extLst>
+              <a:ext uri="{FF2B5EF4-FFF2-40B4-BE49-F238E27FC236}">
+                <a16:creationId xmlns:a16="http://schemas.microsoft.com/office/drawing/2014/main" id="{BF2AC960-1496-4F55-8DC6-841DA9D4A2C8}"/>
+              </a:ext>
+            </a:extLst>
+          </p:cNvPr>
+          <p:cNvSpPr>
+            <a:spLocks noGrp="1"/>
+          </p:cNvSpPr>
+          <p:nvPr>
+            <p:ph type="dt" sz="half" idx="10"/>
+          </p:nvPr>
+        </p:nvSpPr>
+        <p:spPr/>
+        <p:txBody>
+          <a:bodyPr/>
+          <a:lstStyle/>
+          <a:p>
+            <a:fld id="{C781CA97-F337-4290-AEFB-CF46A7786E7A}" type="datetime1">
+              <a:rPr lang="en-IN" smtClean="0"/>
+              <a:t>21-04-2022</a:t>
+            </a:fld>
+            <a:endParaRPr lang="en-IN"/>
+          </a:p>
+        </p:txBody>
+      </p:sp>
+      <p:sp>
+        <p:nvSpPr>
+          <p:cNvPr id="7" name="Slide Number Placeholder 6">
+            <a:extLst>
+              <a:ext uri="{FF2B5EF4-FFF2-40B4-BE49-F238E27FC236}">
+                <a16:creationId xmlns:a16="http://schemas.microsoft.com/office/drawing/2014/main" id="{00BF129B-C21B-4BD2-902C-AFE13705A311}"/>
+              </a:ext>
+            </a:extLst>
+          </p:cNvPr>
+          <p:cNvSpPr>
+            <a:spLocks noGrp="1"/>
+          </p:cNvSpPr>
+          <p:nvPr>
+            <p:ph type="sldNum" sz="quarter" idx="12"/>
+          </p:nvPr>
+        </p:nvSpPr>
+        <p:spPr/>
+        <p:txBody>
+          <a:bodyPr/>
+          <a:lstStyle/>
+          <a:p>
+            <a:fld id="{B988AC41-2896-40F3-A17F-CF0DF1EBF005}" type="slidenum">
+              <a:rPr lang="en-IN" smtClean="0"/>
+              <a:t>7</a:t>
+            </a:fld>
+            <a:endParaRPr lang="en-IN"/>
+          </a:p>
+        </p:txBody>
+      </p:sp>
+      <p:graphicFrame>
+        <p:nvGraphicFramePr>
+          <p:cNvPr id="8" name="Table 8">
+            <a:extLst>
+              <a:ext uri="{FF2B5EF4-FFF2-40B4-BE49-F238E27FC236}">
+                <a16:creationId xmlns:a16="http://schemas.microsoft.com/office/drawing/2014/main" id="{7A9EF128-5B32-4336-9022-8CA71DA6EC84}"/>
+              </a:ext>
+            </a:extLst>
+          </p:cNvPr>
+          <p:cNvGraphicFramePr>
+            <a:graphicFrameLocks noGrp="1"/>
+          </p:cNvGraphicFramePr>
+          <p:nvPr>
+            <p:extLst>
+              <p:ext uri="{D42A27DB-BD31-4B8C-83A1-F6EECF244321}">
+                <p14:modId xmlns:p14="http://schemas.microsoft.com/office/powerpoint/2010/main" val="2274956374"/>
+              </p:ext>
+            </p:extLst>
+          </p:nvPr>
+        </p:nvGraphicFramePr>
+        <p:xfrm>
+          <a:off x="1422399" y="2292726"/>
+          <a:ext cx="9127068" cy="3066675"/>
+        </p:xfrm>
+        <a:graphic>
+          <a:graphicData uri="http://schemas.openxmlformats.org/drawingml/2006/table">
+            <a:tbl>
+              <a:tblPr firstRow="1" bandRow="1">
+                <a:tableStyleId>{5940675A-B579-460E-94D1-54222C63F5DA}</a:tableStyleId>
+              </a:tblPr>
+              <a:tblGrid>
+                <a:gridCol w="4563534">
+                  <a:extLst>
+                    <a:ext uri="{9D8B030D-6E8A-4147-A177-3AD203B41FA5}">
+                      <a16:colId xmlns:a16="http://schemas.microsoft.com/office/drawing/2014/main" val="1990351072"/>
+                    </a:ext>
+                  </a:extLst>
+                </a:gridCol>
+                <a:gridCol w="4563534">
+                  <a:extLst>
+                    <a:ext uri="{9D8B030D-6E8A-4147-A177-3AD203B41FA5}">
+                      <a16:colId xmlns:a16="http://schemas.microsoft.com/office/drawing/2014/main" val="2030371081"/>
+                    </a:ext>
+                  </a:extLst>
+                </a:gridCol>
+              </a:tblGrid>
+              <a:tr h="613335">
+                <a:tc>
+                  <a:txBody>
+                    <a:bodyPr/>
+                    <a:lstStyle/>
+                    <a:p>
+                      <a:pPr algn="ctr"/>
+                      <a:r>
+                        <a:rPr lang="en-IN" b="1" dirty="0"/>
+                        <a:t>Start of project</a:t>
+                      </a:r>
+                    </a:p>
+                  </a:txBody>
+                  <a:tcPr/>
+                </a:tc>
+                <a:tc>
+                  <a:txBody>
+                    <a:bodyPr/>
+                    <a:lstStyle/>
+                    <a:p>
+                      <a:pPr algn="ctr"/>
+                      <a:r>
+                        <a:rPr lang="en-IN" b="1" dirty="0"/>
+                        <a:t>15/04/2022</a:t>
+                      </a:r>
+                    </a:p>
+                  </a:txBody>
+                  <a:tcPr/>
+                </a:tc>
+                <a:extLst>
+                  <a:ext uri="{0D108BD9-81ED-4DB2-BD59-A6C34878D82A}">
+                    <a16:rowId xmlns:a16="http://schemas.microsoft.com/office/drawing/2014/main" val="1396366105"/>
+                  </a:ext>
+                </a:extLst>
+              </a:tr>
+              <a:tr h="613335">
+                <a:tc>
+                  <a:txBody>
+                    <a:bodyPr/>
+                    <a:lstStyle/>
+                    <a:p>
+                      <a:pPr algn="ctr"/>
+                      <a:r>
+                        <a:rPr lang="en-IN" b="1" dirty="0"/>
+                        <a:t>Simulation of basic converter and control</a:t>
+                      </a:r>
+                    </a:p>
+                  </a:txBody>
+                  <a:tcPr/>
+                </a:tc>
+                <a:tc>
+                  <a:txBody>
+                    <a:bodyPr/>
+                    <a:lstStyle/>
+                    <a:p>
+                      <a:pPr algn="ctr"/>
+                      <a:r>
+                        <a:rPr lang="en-IN" b="1" dirty="0"/>
+                        <a:t>15/05/2022 (1 month)</a:t>
+                      </a:r>
+                    </a:p>
+                  </a:txBody>
+                  <a:tcPr/>
+                </a:tc>
+                <a:extLst>
+                  <a:ext uri="{0D108BD9-81ED-4DB2-BD59-A6C34878D82A}">
+                    <a16:rowId xmlns:a16="http://schemas.microsoft.com/office/drawing/2014/main" val="795151016"/>
+                  </a:ext>
+                </a:extLst>
+              </a:tr>
+              <a:tr h="613335">
+                <a:tc>
+                  <a:txBody>
+                    <a:bodyPr/>
+                    <a:lstStyle/>
+                    <a:p>
+                      <a:pPr algn="ctr"/>
+                      <a:r>
+                        <a:rPr lang="en-IN" b="1" dirty="0"/>
+                        <a:t>Simulation of proposed Modifications</a:t>
+                      </a:r>
+                    </a:p>
+                  </a:txBody>
+                  <a:tcPr/>
+                </a:tc>
+                <a:tc>
+                  <a:txBody>
+                    <a:bodyPr/>
+                    <a:lstStyle/>
+                    <a:p>
+                      <a:pPr algn="ctr"/>
+                      <a:r>
+                        <a:rPr lang="en-IN" b="1" dirty="0"/>
+                        <a:t>30/06/2022 (1.5 months)</a:t>
+                      </a:r>
+                    </a:p>
+                  </a:txBody>
+                  <a:tcPr/>
+                </a:tc>
+                <a:extLst>
+                  <a:ext uri="{0D108BD9-81ED-4DB2-BD59-A6C34878D82A}">
+                    <a16:rowId xmlns:a16="http://schemas.microsoft.com/office/drawing/2014/main" val="3505831945"/>
+                  </a:ext>
+                </a:extLst>
+              </a:tr>
+              <a:tr h="613335">
+                <a:tc>
+                  <a:txBody>
+                    <a:bodyPr/>
+                    <a:lstStyle/>
+                    <a:p>
+                      <a:pPr algn="ctr"/>
+                      <a:r>
+                        <a:rPr lang="en-IN" b="1" dirty="0"/>
+                        <a:t>Schematics and layout design</a:t>
+                      </a:r>
+                    </a:p>
+                  </a:txBody>
+                  <a:tcPr/>
+                </a:tc>
+                <a:tc>
+                  <a:txBody>
+                    <a:bodyPr/>
+                    <a:lstStyle/>
+                    <a:p>
+                      <a:pPr algn="ctr"/>
+                      <a:r>
+                        <a:rPr lang="en-IN" b="1" dirty="0"/>
+                        <a:t>31/07/2022 (1 month)</a:t>
+                      </a:r>
+                    </a:p>
+                  </a:txBody>
+                  <a:tcPr/>
+                </a:tc>
+                <a:extLst>
+                  <a:ext uri="{0D108BD9-81ED-4DB2-BD59-A6C34878D82A}">
+                    <a16:rowId xmlns:a16="http://schemas.microsoft.com/office/drawing/2014/main" val="3147101589"/>
+                  </a:ext>
+                </a:extLst>
+              </a:tr>
+              <a:tr h="613335">
+                <a:tc>
+                  <a:txBody>
+                    <a:bodyPr/>
+                    <a:lstStyle/>
+                    <a:p>
+                      <a:pPr algn="ctr"/>
+                      <a:r>
+                        <a:rPr lang="en-IN" b="1" dirty="0"/>
+                        <a:t>Hardware and control performance test</a:t>
+                      </a:r>
+                    </a:p>
+                  </a:txBody>
+                  <a:tcPr/>
+                </a:tc>
+                <a:tc>
+                  <a:txBody>
+                    <a:bodyPr/>
+                    <a:lstStyle/>
+                    <a:p>
+                      <a:pPr algn="ctr"/>
+                      <a:r>
+                        <a:rPr lang="en-IN" b="1" dirty="0"/>
+                        <a:t>31/10/2022 (3 months)</a:t>
+                      </a:r>
+                    </a:p>
+                  </a:txBody>
+                  <a:tcPr/>
+                </a:tc>
+                <a:extLst>
+                  <a:ext uri="{0D108BD9-81ED-4DB2-BD59-A6C34878D82A}">
+                    <a16:rowId xmlns:a16="http://schemas.microsoft.com/office/drawing/2014/main" val="1480458451"/>
+                  </a:ext>
+                </a:extLst>
+              </a:tr>
+            </a:tbl>
+          </a:graphicData>
+        </a:graphic>
+      </p:graphicFrame>
+    </p:spTree>
+    <p:extLst>
+      <p:ext uri="{BB962C8B-B14F-4D97-AF65-F5344CB8AC3E}">
+        <p14:creationId xmlns:p14="http://schemas.microsoft.com/office/powerpoint/2010/main" val="420742130"/>
+      </p:ext>
+    </p:extLst>
+  </p:cSld>
+  <p:clrMapOvr>
+    <a:masterClrMapping/>
+  </p:clrMapOvr>
+</p:sld>
+</file>
+
+<file path=ppt/slides/slide8.xml><?xml version="1.0" encoding="utf-8"?>
+<p:sld xmlns:a="http://schemas.openxmlformats.org/drawingml/2006/main" xmlns:r="http://schemas.openxmlformats.org/officeDocument/2006/relationships" xmlns:p="http://schemas.openxmlformats.org/presentationml/2006/main">
+  <p:cSld>
+    <p:spTree>
+      <p:nvGrpSpPr>
+        <p:cNvPr id="1" name=""/>
+        <p:cNvGrpSpPr/>
+        <p:nvPr/>
+      </p:nvGrpSpPr>
+      <p:grpSpPr>
+        <a:xfrm>
+          <a:off x="0" y="0"/>
+          <a:ext cx="0" cy="0"/>
+          <a:chOff x="0" y="0"/>
+          <a:chExt cx="0" cy="0"/>
+        </a:xfrm>
+      </p:grpSpPr>
+      <p:pic>
+        <p:nvPicPr>
+          <p:cNvPr id="4" name="Picture 3">
+            <a:extLst>
+              <a:ext uri="{FF2B5EF4-FFF2-40B4-BE49-F238E27FC236}">
+                <a16:creationId xmlns:a16="http://schemas.microsoft.com/office/drawing/2014/main" id="{9C100A4D-3434-4524-A27F-AA4F32F03E74}"/>
+              </a:ext>
+            </a:extLst>
+          </p:cNvPr>
+          <p:cNvPicPr>
+            <a:picLocks noChangeAspect="1"/>
+          </p:cNvPicPr>
+          <p:nvPr/>
+        </p:nvPicPr>
+        <p:blipFill>
+          <a:blip r:embed="rId2"/>
+          <a:stretch>
+            <a:fillRect/>
+          </a:stretch>
+        </p:blipFill>
+        <p:spPr>
+          <a:xfrm>
+            <a:off x="11173106" y="95415"/>
+            <a:ext cx="952633" cy="590632"/>
+          </a:xfrm>
+          <a:prstGeom prst="rect">
+            <a:avLst/>
+          </a:prstGeom>
+        </p:spPr>
+      </p:pic>
+      <p:sp>
+        <p:nvSpPr>
+          <p:cNvPr id="5" name="Textfeld 10">
+            <a:extLst>
+              <a:ext uri="{FF2B5EF4-FFF2-40B4-BE49-F238E27FC236}">
+                <a16:creationId xmlns:a16="http://schemas.microsoft.com/office/drawing/2014/main" id="{C9D3D360-8A9D-412B-8191-98D0FE288841}"/>
+              </a:ext>
+            </a:extLst>
+          </p:cNvPr>
+          <p:cNvSpPr txBox="1"/>
+          <p:nvPr/>
+        </p:nvSpPr>
+        <p:spPr>
+          <a:xfrm>
+            <a:off x="328420" y="314325"/>
+            <a:ext cx="7393245" cy="347211"/>
+          </a:xfrm>
+          <a:prstGeom prst="rect">
+            <a:avLst/>
+          </a:prstGeom>
+          <a:noFill/>
+        </p:spPr>
+        <p:txBody>
+          <a:bodyPr wrap="square" lIns="0" tIns="0" rIns="0" bIns="0" rtlCol="0">
+            <a:spAutoFit/>
+          </a:bodyPr>
+          <a:lstStyle/>
+          <a:p>
+            <a:pPr>
+              <a:lnSpc>
+                <a:spcPct val="94000"/>
+              </a:lnSpc>
+              <a:tabLst/>
+            </a:pPr>
+            <a:r>
+              <a:rPr lang="de-DE" sz="800" dirty="0">
+                <a:solidFill>
+                  <a:srgbClr val="0065BD"/>
+                </a:solidFill>
+              </a:rPr>
+              <a:t>Chair</a:t>
+            </a:r>
+            <a:r>
+              <a:rPr lang="de-DE" sz="800" dirty="0">
+                <a:solidFill>
+                  <a:srgbClr val="0065BD"/>
+                </a:solidFill>
+                <a:latin typeface="+mn-lt"/>
+              </a:rPr>
+              <a:t> of </a:t>
+            </a:r>
+            <a:r>
+              <a:rPr lang="de-DE" sz="800" dirty="0">
+                <a:solidFill>
+                  <a:srgbClr val="0065BD"/>
+                </a:solidFill>
+              </a:rPr>
+              <a:t>High Power Converter Systems</a:t>
+            </a:r>
+            <a:endParaRPr lang="de-DE" sz="800" dirty="0">
+              <a:solidFill>
+                <a:srgbClr val="0065BD"/>
+              </a:solidFill>
+              <a:latin typeface="+mn-lt"/>
+            </a:endParaRPr>
+          </a:p>
+          <a:p>
+            <a:pPr>
+              <a:lnSpc>
+                <a:spcPct val="94000"/>
+              </a:lnSpc>
+              <a:tabLst/>
+            </a:pPr>
+            <a:r>
+              <a:rPr lang="de-DE" sz="800" dirty="0">
+                <a:solidFill>
+                  <a:srgbClr val="0065BD"/>
+                </a:solidFill>
+                <a:latin typeface="+mn-lt"/>
+              </a:rPr>
+              <a:t>TUM School </a:t>
+            </a:r>
+            <a:r>
+              <a:rPr lang="de-DE" sz="800" dirty="0" err="1">
+                <a:solidFill>
+                  <a:srgbClr val="0065BD"/>
+                </a:solidFill>
+                <a:latin typeface="+mn-lt"/>
+              </a:rPr>
+              <a:t>of</a:t>
+            </a:r>
+            <a:r>
+              <a:rPr lang="de-DE" sz="800" dirty="0">
+                <a:solidFill>
+                  <a:srgbClr val="0065BD"/>
+                </a:solidFill>
+                <a:latin typeface="+mn-lt"/>
+              </a:rPr>
+              <a:t> Engineering </a:t>
+            </a:r>
+            <a:r>
+              <a:rPr lang="de-DE" sz="800" dirty="0" err="1">
+                <a:solidFill>
+                  <a:srgbClr val="0065BD"/>
+                </a:solidFill>
+                <a:latin typeface="+mn-lt"/>
+              </a:rPr>
+              <a:t>and</a:t>
+            </a:r>
+            <a:r>
+              <a:rPr lang="de-DE" sz="800" dirty="0">
+                <a:solidFill>
+                  <a:srgbClr val="0065BD"/>
+                </a:solidFill>
+                <a:latin typeface="+mn-lt"/>
+              </a:rPr>
+              <a:t> Design</a:t>
+            </a:r>
+          </a:p>
+          <a:p>
+            <a:pPr>
+              <a:lnSpc>
+                <a:spcPct val="94000"/>
+              </a:lnSpc>
+              <a:tabLst/>
+            </a:pPr>
+            <a:r>
+              <a:rPr lang="de-DE" sz="800" dirty="0">
+                <a:solidFill>
+                  <a:srgbClr val="0065BD"/>
+                </a:solidFill>
+                <a:latin typeface="+mn-lt"/>
+              </a:rPr>
+              <a:t>Technical University </a:t>
+            </a:r>
+            <a:r>
+              <a:rPr lang="de-DE" sz="800" dirty="0" err="1">
+                <a:solidFill>
+                  <a:srgbClr val="0065BD"/>
+                </a:solidFill>
+                <a:latin typeface="+mn-lt"/>
+              </a:rPr>
+              <a:t>of</a:t>
+            </a:r>
+            <a:r>
+              <a:rPr lang="de-DE" sz="800" dirty="0">
+                <a:solidFill>
+                  <a:srgbClr val="0065BD"/>
+                </a:solidFill>
+                <a:latin typeface="+mn-lt"/>
+              </a:rPr>
+              <a:t> Munich</a:t>
+            </a:r>
+          </a:p>
+        </p:txBody>
+      </p:sp>
+      <p:sp>
+        <p:nvSpPr>
+          <p:cNvPr id="6" name="TextBox 5">
+            <a:extLst>
+              <a:ext uri="{FF2B5EF4-FFF2-40B4-BE49-F238E27FC236}">
+                <a16:creationId xmlns:a16="http://schemas.microsoft.com/office/drawing/2014/main" id="{77EBB971-AF57-490D-9599-0C837FDE2F26}"/>
+              </a:ext>
+            </a:extLst>
+          </p:cNvPr>
+          <p:cNvSpPr txBox="1"/>
+          <p:nvPr/>
+        </p:nvSpPr>
+        <p:spPr>
+          <a:xfrm>
+            <a:off x="2631882" y="1184744"/>
+            <a:ext cx="7633252" cy="584775"/>
+          </a:xfrm>
+          <a:prstGeom prst="rect">
+            <a:avLst/>
+          </a:prstGeom>
+          <a:noFill/>
+        </p:spPr>
+        <p:txBody>
+          <a:bodyPr wrap="square" rtlCol="0">
+            <a:spAutoFit/>
+          </a:bodyPr>
+          <a:lstStyle/>
+          <a:p>
+            <a:r>
+              <a:rPr lang="en-IN" sz="3200" b="1" dirty="0"/>
+              <a:t>Questions</a:t>
+            </a:r>
+          </a:p>
+        </p:txBody>
+      </p:sp>
+      <p:sp>
+        <p:nvSpPr>
+          <p:cNvPr id="2" name="TextBox 1">
+            <a:extLst>
+              <a:ext uri="{FF2B5EF4-FFF2-40B4-BE49-F238E27FC236}">
+                <a16:creationId xmlns:a16="http://schemas.microsoft.com/office/drawing/2014/main" id="{B48D2BE7-C732-40C6-9026-578D0882B6BC}"/>
+              </a:ext>
+            </a:extLst>
+          </p:cNvPr>
+          <p:cNvSpPr txBox="1"/>
+          <p:nvPr/>
+        </p:nvSpPr>
+        <p:spPr>
+          <a:xfrm>
+            <a:off x="874643" y="2003729"/>
+            <a:ext cx="9700592" cy="369332"/>
+          </a:xfrm>
+          <a:prstGeom prst="rect">
+            <a:avLst/>
+          </a:prstGeom>
+          <a:noFill/>
+        </p:spPr>
+        <p:txBody>
+          <a:bodyPr wrap="square" rtlCol="0">
+            <a:spAutoFit/>
+          </a:bodyPr>
+          <a:lstStyle/>
+          <a:p>
+            <a:r>
+              <a:rPr lang="en-IN" dirty="0"/>
+              <a:t>1. Is it possible to do efficiency/ control performance analysis on Simulink?</a:t>
+            </a:r>
+          </a:p>
+        </p:txBody>
+      </p:sp>
+      <p:sp>
+        <p:nvSpPr>
+          <p:cNvPr id="3" name="Date Placeholder 2">
+            <a:extLst>
+              <a:ext uri="{FF2B5EF4-FFF2-40B4-BE49-F238E27FC236}">
+                <a16:creationId xmlns:a16="http://schemas.microsoft.com/office/drawing/2014/main" id="{BF2AC960-1496-4F55-8DC6-841DA9D4A2C8}"/>
+              </a:ext>
+            </a:extLst>
+          </p:cNvPr>
+          <p:cNvSpPr>
+            <a:spLocks noGrp="1"/>
+          </p:cNvSpPr>
+          <p:nvPr>
+            <p:ph type="dt" sz="half" idx="10"/>
+          </p:nvPr>
+        </p:nvSpPr>
+        <p:spPr/>
+        <p:txBody>
+          <a:bodyPr/>
+          <a:lstStyle/>
+          <a:p>
+            <a:fld id="{C781CA97-F337-4290-AEFB-CF46A7786E7A}" type="datetime1">
+              <a:rPr lang="en-IN" smtClean="0"/>
+              <a:t>21-04-2022</a:t>
+            </a:fld>
+            <a:endParaRPr lang="en-IN"/>
+          </a:p>
+        </p:txBody>
+      </p:sp>
+      <p:sp>
+        <p:nvSpPr>
+          <p:cNvPr id="7" name="Slide Number Placeholder 6">
+            <a:extLst>
+              <a:ext uri="{FF2B5EF4-FFF2-40B4-BE49-F238E27FC236}">
+                <a16:creationId xmlns:a16="http://schemas.microsoft.com/office/drawing/2014/main" id="{00BF129B-C21B-4BD2-902C-AFE13705A311}"/>
+              </a:ext>
+            </a:extLst>
+          </p:cNvPr>
+          <p:cNvSpPr>
+            <a:spLocks noGrp="1"/>
+          </p:cNvSpPr>
+          <p:nvPr>
+            <p:ph type="sldNum" sz="quarter" idx="12"/>
+          </p:nvPr>
+        </p:nvSpPr>
+        <p:spPr/>
+        <p:txBody>
+          <a:bodyPr/>
+          <a:lstStyle/>
+          <a:p>
+            <a:fld id="{B988AC41-2896-40F3-A17F-CF0DF1EBF005}" type="slidenum">
+              <a:rPr lang="en-IN" smtClean="0"/>
+              <a:t>8</a:t>
+            </a:fld>
+            <a:endParaRPr lang="en-IN"/>
+          </a:p>
+        </p:txBody>
+      </p:sp>
+    </p:spTree>
+    <p:extLst>
+      <p:ext uri="{BB962C8B-B14F-4D97-AF65-F5344CB8AC3E}">
+        <p14:creationId xmlns:p14="http://schemas.microsoft.com/office/powerpoint/2010/main" val="807328020"/>
       </p:ext>
     </p:extLst>
   </p:cSld>
